--- a/images/weblogo_aftr_uORF.pptx
+++ b/images/weblogo_aftr_uORF.pptx
@@ -10,7 +10,7 @@
   <p:sldIdLst>
     <p:sldId id="256" r:id="rId2"/>
   </p:sldIdLst>
-  <p:sldSz cx="6400800" cy="3600450"/>
+  <p:sldSz cx="6400800" cy="3240088"/>
   <p:notesSz cx="6858000" cy="9144000"/>
   <p:defaultTextStyle>
     <a:defPPr>
@@ -110,7 +110,7 @@
   <p:extLst>
     <p:ext uri="{EFAFB233-063F-42B5-8137-9DF3F51BA10A}">
       <p15:sldGuideLst xmlns:p15="http://schemas.microsoft.com/office/powerpoint/2012/main">
-        <p15:guide id="1" orient="horz" pos="1135" userDrawn="1">
+        <p15:guide id="1" orient="horz" pos="1021" userDrawn="1">
           <p15:clr>
             <a:srgbClr val="A4A3A4"/>
           </p15:clr>
@@ -208,7 +208,7 @@
           <a:p>
             <a:fld id="{C571D33F-B151-5442-9D79-DA0A881D815F}" type="datetimeFigureOut">
               <a:rPr lang="en-US" smtClean="0"/>
-              <a:t>5/31/23</a:t>
+              <a:t>9/8/23</a:t>
             </a:fld>
             <a:endParaRPr lang="en-US"/>
           </a:p>
@@ -226,8 +226,8 @@
         </p:nvSpPr>
         <p:spPr>
           <a:xfrm>
-            <a:off x="685800" y="1143000"/>
-            <a:ext cx="5486400" cy="3086100"/>
+            <a:off x="381000" y="1143000"/>
+            <a:ext cx="6096000" cy="3086100"/>
           </a:xfrm>
           <a:prstGeom prst="rect">
             <a:avLst/>
@@ -504,8 +504,8 @@
         </p:nvSpPr>
         <p:spPr>
           <a:xfrm>
-            <a:off x="685800" y="1143000"/>
-            <a:ext cx="5486400" cy="3086100"/>
+            <a:off x="381000" y="1143000"/>
+            <a:ext cx="6096000" cy="3086100"/>
           </a:xfrm>
         </p:spPr>
       </p:sp>
@@ -593,8 +593,8 @@
         </p:nvSpPr>
         <p:spPr>
           <a:xfrm>
-            <a:off x="480065" y="1118483"/>
-            <a:ext cx="5440679" cy="771762"/>
+            <a:off x="480065" y="1006536"/>
+            <a:ext cx="5440679" cy="694518"/>
           </a:xfrm>
         </p:spPr>
         <p:txBody>
@@ -620,8 +620,8 @@
         </p:nvSpPr>
         <p:spPr>
           <a:xfrm>
-            <a:off x="960127" y="2040264"/>
-            <a:ext cx="4480561" cy="920115"/>
+            <a:off x="960127" y="1836059"/>
+            <a:ext cx="4480561" cy="828022"/>
           </a:xfrm>
         </p:spPr>
         <p:txBody>
@@ -743,7 +743,7 @@
           <a:p>
             <a:fld id="{01197F44-DB72-474A-9754-31703E05C006}" type="datetimeFigureOut">
               <a:rPr lang="en-US" smtClean="0"/>
-              <a:t>5/31/23</a:t>
+              <a:t>9/8/23</a:t>
             </a:fld>
             <a:endParaRPr lang="en-US"/>
           </a:p>
@@ -911,7 +911,7 @@
           <a:p>
             <a:fld id="{01197F44-DB72-474A-9754-31703E05C006}" type="datetimeFigureOut">
               <a:rPr lang="en-US" smtClean="0"/>
-              <a:t>5/31/23</a:t>
+              <a:t>9/8/23</a:t>
             </a:fld>
             <a:endParaRPr lang="en-US"/>
           </a:p>
@@ -1001,8 +1001,8 @@
         </p:nvSpPr>
         <p:spPr>
           <a:xfrm>
-            <a:off x="4640582" y="144190"/>
-            <a:ext cx="1440180" cy="3072053"/>
+            <a:off x="4640582" y="129759"/>
+            <a:ext cx="1440180" cy="2764577"/>
           </a:xfrm>
         </p:spPr>
         <p:txBody>
@@ -1028,8 +1028,8 @@
         </p:nvSpPr>
         <p:spPr>
           <a:xfrm>
-            <a:off x="320044" y="144190"/>
-            <a:ext cx="4213860" cy="3072053"/>
+            <a:off x="320044" y="129759"/>
+            <a:ext cx="4213860" cy="2764577"/>
           </a:xfrm>
         </p:spPr>
         <p:txBody>
@@ -1089,7 +1089,7 @@
           <a:p>
             <a:fld id="{01197F44-DB72-474A-9754-31703E05C006}" type="datetimeFigureOut">
               <a:rPr lang="en-US" smtClean="0"/>
-              <a:t>5/31/23</a:t>
+              <a:t>9/8/23</a:t>
             </a:fld>
             <a:endParaRPr lang="en-US"/>
           </a:p>
@@ -1257,7 +1257,7 @@
           <a:p>
             <a:fld id="{01197F44-DB72-474A-9754-31703E05C006}" type="datetimeFigureOut">
               <a:rPr lang="en-US" smtClean="0"/>
-              <a:t>5/31/23</a:t>
+              <a:t>9/8/23</a:t>
             </a:fld>
             <a:endParaRPr lang="en-US"/>
           </a:p>
@@ -1347,8 +1347,8 @@
         </p:nvSpPr>
         <p:spPr>
           <a:xfrm>
-            <a:off x="505625" y="2313633"/>
-            <a:ext cx="5440679" cy="715092"/>
+            <a:off x="505625" y="2082066"/>
+            <a:ext cx="5440679" cy="643520"/>
           </a:xfrm>
         </p:spPr>
         <p:txBody>
@@ -1378,8 +1378,8 @@
         </p:nvSpPr>
         <p:spPr>
           <a:xfrm>
-            <a:off x="505625" y="1526034"/>
-            <a:ext cx="5440679" cy="787599"/>
+            <a:off x="505625" y="1373297"/>
+            <a:ext cx="5440679" cy="708770"/>
           </a:xfrm>
         </p:spPr>
         <p:txBody>
@@ -1502,7 +1502,7 @@
           <a:p>
             <a:fld id="{01197F44-DB72-474A-9754-31703E05C006}" type="datetimeFigureOut">
               <a:rPr lang="en-US" smtClean="0"/>
-              <a:t>5/31/23</a:t>
+              <a:t>9/8/23</a:t>
             </a:fld>
             <a:endParaRPr lang="en-US"/>
           </a:p>
@@ -1614,8 +1614,8 @@
         </p:nvSpPr>
         <p:spPr>
           <a:xfrm>
-            <a:off x="320045" y="840117"/>
-            <a:ext cx="2827021" cy="2376132"/>
+            <a:off x="320045" y="756031"/>
+            <a:ext cx="2827021" cy="2138310"/>
           </a:xfrm>
         </p:spPr>
         <p:txBody>
@@ -1698,8 +1698,8 @@
         </p:nvSpPr>
         <p:spPr>
           <a:xfrm>
-            <a:off x="3253752" y="840117"/>
-            <a:ext cx="2827021" cy="2376132"/>
+            <a:off x="3253753" y="756031"/>
+            <a:ext cx="2827021" cy="2138310"/>
           </a:xfrm>
         </p:spPr>
         <p:txBody>
@@ -1787,7 +1787,7 @@
           <a:p>
             <a:fld id="{01197F44-DB72-474A-9754-31703E05C006}" type="datetimeFigureOut">
               <a:rPr lang="en-US" smtClean="0"/>
-              <a:t>5/31/23</a:t>
+              <a:t>9/8/23</a:t>
             </a:fld>
             <a:endParaRPr lang="en-US"/>
           </a:p>
@@ -1903,8 +1903,8 @@
         </p:nvSpPr>
         <p:spPr>
           <a:xfrm>
-            <a:off x="320046" y="805944"/>
-            <a:ext cx="2828133" cy="335874"/>
+            <a:off x="320046" y="725279"/>
+            <a:ext cx="2828133" cy="302257"/>
           </a:xfrm>
         </p:spPr>
         <p:txBody>
@@ -1968,8 +1968,8 @@
         </p:nvSpPr>
         <p:spPr>
           <a:xfrm>
-            <a:off x="320046" y="1141812"/>
-            <a:ext cx="2828133" cy="2074431"/>
+            <a:off x="320046" y="1027531"/>
+            <a:ext cx="2828133" cy="1866805"/>
           </a:xfrm>
         </p:spPr>
         <p:txBody>
@@ -2052,8 +2052,8 @@
         </p:nvSpPr>
         <p:spPr>
           <a:xfrm>
-            <a:off x="3251528" y="805944"/>
-            <a:ext cx="2829243" cy="335874"/>
+            <a:off x="3251529" y="725279"/>
+            <a:ext cx="2829243" cy="302257"/>
           </a:xfrm>
         </p:spPr>
         <p:txBody>
@@ -2117,8 +2117,8 @@
         </p:nvSpPr>
         <p:spPr>
           <a:xfrm>
-            <a:off x="3251528" y="1141812"/>
-            <a:ext cx="2829243" cy="2074431"/>
+            <a:off x="3251529" y="1027531"/>
+            <a:ext cx="2829243" cy="1866805"/>
           </a:xfrm>
         </p:spPr>
         <p:txBody>
@@ -2206,7 +2206,7 @@
           <a:p>
             <a:fld id="{01197F44-DB72-474A-9754-31703E05C006}" type="datetimeFigureOut">
               <a:rPr lang="en-US" smtClean="0"/>
-              <a:t>5/31/23</a:t>
+              <a:t>9/8/23</a:t>
             </a:fld>
             <a:endParaRPr lang="en-US"/>
           </a:p>
@@ -2323,7 +2323,7 @@
           <a:p>
             <a:fld id="{01197F44-DB72-474A-9754-31703E05C006}" type="datetimeFigureOut">
               <a:rPr lang="en-US" smtClean="0"/>
-              <a:t>5/31/23</a:t>
+              <a:t>9/8/23</a:t>
             </a:fld>
             <a:endParaRPr lang="en-US"/>
           </a:p>
@@ -2418,7 +2418,7 @@
           <a:p>
             <a:fld id="{01197F44-DB72-474A-9754-31703E05C006}" type="datetimeFigureOut">
               <a:rPr lang="en-US" smtClean="0"/>
-              <a:t>5/31/23</a:t>
+              <a:t>9/8/23</a:t>
             </a:fld>
             <a:endParaRPr lang="en-US"/>
           </a:p>
@@ -2508,8 +2508,8 @@
         </p:nvSpPr>
         <p:spPr>
           <a:xfrm>
-            <a:off x="320050" y="143360"/>
-            <a:ext cx="2105819" cy="610078"/>
+            <a:off x="320051" y="129012"/>
+            <a:ext cx="2105819" cy="549016"/>
           </a:xfrm>
         </p:spPr>
         <p:txBody>
@@ -2539,8 +2539,8 @@
         </p:nvSpPr>
         <p:spPr>
           <a:xfrm>
-            <a:off x="2502547" y="143358"/>
-            <a:ext cx="3578225" cy="3072884"/>
+            <a:off x="2502548" y="129010"/>
+            <a:ext cx="3578225" cy="2765325"/>
           </a:xfrm>
         </p:spPr>
         <p:txBody>
@@ -2623,8 +2623,8 @@
         </p:nvSpPr>
         <p:spPr>
           <a:xfrm>
-            <a:off x="320050" y="753433"/>
-            <a:ext cx="2105819" cy="2462810"/>
+            <a:off x="320051" y="678023"/>
+            <a:ext cx="2105819" cy="2216312"/>
           </a:xfrm>
         </p:spPr>
         <p:txBody>
@@ -2693,7 +2693,7 @@
           <a:p>
             <a:fld id="{01197F44-DB72-474A-9754-31703E05C006}" type="datetimeFigureOut">
               <a:rPr lang="en-US" smtClean="0"/>
-              <a:t>5/31/23</a:t>
+              <a:t>9/8/23</a:t>
             </a:fld>
             <a:endParaRPr lang="en-US"/>
           </a:p>
@@ -2783,8 +2783,8 @@
         </p:nvSpPr>
         <p:spPr>
           <a:xfrm>
-            <a:off x="1254605" y="2520325"/>
-            <a:ext cx="3840480" cy="297537"/>
+            <a:off x="1254605" y="2268071"/>
+            <a:ext cx="3840480" cy="267757"/>
           </a:xfrm>
         </p:spPr>
         <p:txBody>
@@ -2814,8 +2814,8 @@
         </p:nvSpPr>
         <p:spPr>
           <a:xfrm>
-            <a:off x="1254605" y="321707"/>
-            <a:ext cx="3840480" cy="2160270"/>
+            <a:off x="1254605" y="289508"/>
+            <a:ext cx="3840480" cy="1944053"/>
           </a:xfrm>
         </p:spPr>
         <p:txBody>
@@ -2875,8 +2875,8 @@
         </p:nvSpPr>
         <p:spPr>
           <a:xfrm>
-            <a:off x="1254605" y="2817860"/>
-            <a:ext cx="3840480" cy="422555"/>
+            <a:off x="1254605" y="2535827"/>
+            <a:ext cx="3840480" cy="380262"/>
           </a:xfrm>
         </p:spPr>
         <p:txBody>
@@ -2945,7 +2945,7 @@
           <a:p>
             <a:fld id="{01197F44-DB72-474A-9754-31703E05C006}" type="datetimeFigureOut">
               <a:rPr lang="en-US" smtClean="0"/>
-              <a:t>5/31/23</a:t>
+              <a:t>9/8/23</a:t>
             </a:fld>
             <a:endParaRPr lang="en-US"/>
           </a:p>
@@ -3040,8 +3040,8 @@
         </p:nvSpPr>
         <p:spPr>
           <a:xfrm>
-            <a:off x="320047" y="144189"/>
-            <a:ext cx="5760721" cy="600075"/>
+            <a:off x="320047" y="129758"/>
+            <a:ext cx="5760721" cy="540015"/>
           </a:xfrm>
           <a:prstGeom prst="rect">
             <a:avLst/>
@@ -3072,8 +3072,8 @@
         </p:nvSpPr>
         <p:spPr>
           <a:xfrm>
-            <a:off x="320047" y="840117"/>
-            <a:ext cx="5760721" cy="2376132"/>
+            <a:off x="320047" y="756031"/>
+            <a:ext cx="5760721" cy="2138310"/>
           </a:xfrm>
           <a:prstGeom prst="rect">
             <a:avLst/>
@@ -3133,8 +3133,8 @@
         </p:nvSpPr>
         <p:spPr>
           <a:xfrm>
-            <a:off x="320040" y="3337090"/>
-            <a:ext cx="1493520" cy="191691"/>
+            <a:off x="320040" y="3003088"/>
+            <a:ext cx="1493520" cy="172505"/>
           </a:xfrm>
           <a:prstGeom prst="rect">
             <a:avLst/>
@@ -3156,7 +3156,7 @@
           <a:p>
             <a:fld id="{01197F44-DB72-474A-9754-31703E05C006}" type="datetimeFigureOut">
               <a:rPr lang="en-US" smtClean="0"/>
-              <a:t>5/31/23</a:t>
+              <a:t>9/8/23</a:t>
             </a:fld>
             <a:endParaRPr lang="en-US"/>
           </a:p>
@@ -3174,8 +3174,8 @@
         </p:nvSpPr>
         <p:spPr>
           <a:xfrm>
-            <a:off x="2186941" y="3337090"/>
-            <a:ext cx="2026922" cy="191691"/>
+            <a:off x="2186941" y="3003088"/>
+            <a:ext cx="2026922" cy="172505"/>
           </a:xfrm>
           <a:prstGeom prst="rect">
             <a:avLst/>
@@ -3211,8 +3211,8 @@
         </p:nvSpPr>
         <p:spPr>
           <a:xfrm>
-            <a:off x="4587240" y="3337090"/>
-            <a:ext cx="1493520" cy="191691"/>
+            <a:off x="4587240" y="3003088"/>
+            <a:ext cx="1493520" cy="172505"/>
           </a:xfrm>
           <a:prstGeom prst="rect">
             <a:avLst/>
@@ -3533,10 +3533,10 @@
       </p:grpSpPr>
       <p:pic>
         <p:nvPicPr>
-          <p:cNvPr id="23" name="Picture 22">
+          <p:cNvPr id="29" name="Picture 28">
             <a:extLst>
               <a:ext uri="{FF2B5EF4-FFF2-40B4-BE49-F238E27FC236}">
-                <a16:creationId xmlns:a16="http://schemas.microsoft.com/office/drawing/2014/main" id="{2CEB1257-5636-4441-A14E-8EBE18D4F0BB}"/>
+                <a16:creationId xmlns:a16="http://schemas.microsoft.com/office/drawing/2014/main" id="{EDDD0CE7-103F-B24A-8031-2AD1ED38B90E}"/>
               </a:ext>
             </a:extLst>
           </p:cNvPr>
@@ -3545,15 +3545,16 @@
           </p:cNvPicPr>
           <p:nvPr/>
         </p:nvPicPr>
-        <p:blipFill rotWithShape="1">
+        <p:blipFill>
           <a:blip r:embed="rId3"/>
-          <a:srcRect b="6868"/>
-          <a:stretch/>
+          <a:stretch>
+            <a:fillRect/>
+          </a:stretch>
         </p:blipFill>
         <p:spPr>
           <a:xfrm>
-            <a:off x="0" y="347124"/>
-            <a:ext cx="6400800" cy="990027"/>
+            <a:off x="0" y="2146072"/>
+            <a:ext cx="6400800" cy="796569"/>
           </a:xfrm>
           <a:prstGeom prst="rect">
             <a:avLst/>
@@ -3562,10 +3563,10 @@
       </p:pic>
       <p:pic>
         <p:nvPicPr>
-          <p:cNvPr id="24" name="Picture 23">
+          <p:cNvPr id="30" name="Picture 29">
             <a:extLst>
               <a:ext uri="{FF2B5EF4-FFF2-40B4-BE49-F238E27FC236}">
-                <a16:creationId xmlns:a16="http://schemas.microsoft.com/office/drawing/2014/main" id="{34B44877-0315-7C46-A4A7-FB7D8F3BD2C2}"/>
+                <a16:creationId xmlns:a16="http://schemas.microsoft.com/office/drawing/2014/main" id="{63A095EF-5681-9B49-BCDB-43566BE11D64}"/>
               </a:ext>
             </a:extLst>
           </p:cNvPr>
@@ -3574,15 +3575,16 @@
           </p:cNvPicPr>
           <p:nvPr/>
         </p:nvPicPr>
-        <p:blipFill rotWithShape="1">
+        <p:blipFill>
           <a:blip r:embed="rId4"/>
-          <a:srcRect b="6868"/>
-          <a:stretch/>
+          <a:stretch>
+            <a:fillRect/>
+          </a:stretch>
         </p:blipFill>
         <p:spPr>
           <a:xfrm>
-            <a:off x="0" y="2190296"/>
-            <a:ext cx="6400800" cy="990027"/>
+            <a:off x="0" y="435695"/>
+            <a:ext cx="6400800" cy="796569"/>
           </a:xfrm>
           <a:prstGeom prst="rect">
             <a:avLst/>
@@ -3591,10 +3593,10 @@
       </p:pic>
       <p:sp>
         <p:nvSpPr>
-          <p:cNvPr id="6" name="Right Brace 5">
+          <p:cNvPr id="31" name="Right Brace 30">
             <a:extLst>
               <a:ext uri="{FF2B5EF4-FFF2-40B4-BE49-F238E27FC236}">
-                <a16:creationId xmlns:a16="http://schemas.microsoft.com/office/drawing/2014/main" id="{D16057DB-D9EF-FF44-9644-E216A5ABE80D}"/>
+                <a16:creationId xmlns:a16="http://schemas.microsoft.com/office/drawing/2014/main" id="{B08D7386-4772-BC43-ACD6-1237AD1A42DE}"/>
               </a:ext>
             </a:extLst>
           </p:cNvPr>
@@ -3603,7 +3605,7 @@
         </p:nvSpPr>
         <p:spPr>
           <a:xfrm rot="5400000">
-            <a:off x="4997616" y="2986233"/>
+            <a:off x="4998670" y="2741329"/>
             <a:ext cx="190357" cy="553454"/>
           </a:xfrm>
           <a:prstGeom prst="rightBrace">
@@ -3638,10 +3640,10 @@
       </p:sp>
       <p:sp>
         <p:nvSpPr>
-          <p:cNvPr id="7" name="TextBox 6">
+          <p:cNvPr id="34" name="TextBox 33">
             <a:extLst>
               <a:ext uri="{FF2B5EF4-FFF2-40B4-BE49-F238E27FC236}">
-                <a16:creationId xmlns:a16="http://schemas.microsoft.com/office/drawing/2014/main" id="{F58E06DF-4E70-8D46-8432-402087621839}"/>
+                <a16:creationId xmlns:a16="http://schemas.microsoft.com/office/drawing/2014/main" id="{63B798E5-DC14-4C42-BF88-F7DD50F50C4A}"/>
               </a:ext>
             </a:extLst>
           </p:cNvPr>
@@ -3650,7 +3652,7 @@
         </p:nvSpPr>
         <p:spPr>
           <a:xfrm>
-            <a:off x="4759347" y="3342238"/>
+            <a:off x="4760401" y="3048436"/>
             <a:ext cx="666893" cy="258212"/>
           </a:xfrm>
           <a:prstGeom prst="rect">
@@ -3674,10 +3676,10 @@
       </p:sp>
       <p:sp>
         <p:nvSpPr>
-          <p:cNvPr id="27" name="Right Brace 26">
+          <p:cNvPr id="35" name="Right Brace 34">
             <a:extLst>
               <a:ext uri="{FF2B5EF4-FFF2-40B4-BE49-F238E27FC236}">
-                <a16:creationId xmlns:a16="http://schemas.microsoft.com/office/drawing/2014/main" id="{7F0929F9-2ECB-1849-B483-B1A870AD02B9}"/>
+                <a16:creationId xmlns:a16="http://schemas.microsoft.com/office/drawing/2014/main" id="{C9676F5A-1693-FC49-B048-823EE98B1A38}"/>
               </a:ext>
             </a:extLst>
           </p:cNvPr>
@@ -3686,7 +3688,7 @@
         </p:nvSpPr>
         <p:spPr>
           <a:xfrm rot="16200000">
-            <a:off x="5025977" y="54298"/>
+            <a:off x="5046586" y="106375"/>
             <a:ext cx="190357" cy="496737"/>
           </a:xfrm>
           <a:prstGeom prst="rightBrace">
@@ -3721,10 +3723,10 @@
       </p:sp>
       <p:sp>
         <p:nvSpPr>
-          <p:cNvPr id="28" name="TextBox 27">
+          <p:cNvPr id="36" name="TextBox 35">
             <a:extLst>
               <a:ext uri="{FF2B5EF4-FFF2-40B4-BE49-F238E27FC236}">
-                <a16:creationId xmlns:a16="http://schemas.microsoft.com/office/drawing/2014/main" id="{000A81A9-E076-F845-939C-42311AEBAB23}"/>
+                <a16:creationId xmlns:a16="http://schemas.microsoft.com/office/drawing/2014/main" id="{D241BE4B-3621-5143-B6A5-3A5503BF955C}"/>
               </a:ext>
             </a:extLst>
           </p:cNvPr>
@@ -3733,7 +3735,7 @@
         </p:nvSpPr>
         <p:spPr>
           <a:xfrm>
-            <a:off x="4783413" y="-54086"/>
+            <a:off x="4794280" y="6738"/>
             <a:ext cx="666893" cy="258212"/>
           </a:xfrm>
           <a:prstGeom prst="rect">
@@ -3757,10 +3759,10 @@
       </p:sp>
       <p:cxnSp>
         <p:nvCxnSpPr>
-          <p:cNvPr id="9" name="Straight Connector 8">
+          <p:cNvPr id="37" name="Straight Connector 36">
             <a:extLst>
               <a:ext uri="{FF2B5EF4-FFF2-40B4-BE49-F238E27FC236}">
-                <a16:creationId xmlns:a16="http://schemas.microsoft.com/office/drawing/2014/main" id="{79B67335-6397-734A-855F-39D8448AE583}"/>
+                <a16:creationId xmlns:a16="http://schemas.microsoft.com/office/drawing/2014/main" id="{D20ABE1E-7EE9-8541-AAEE-4AE188DBC982}"/>
               </a:ext>
             </a:extLst>
           </p:cNvPr>
@@ -3771,7 +3773,7 @@
         </p:nvCxnSpPr>
         <p:spPr>
           <a:xfrm>
-            <a:off x="5369522" y="1339573"/>
+            <a:off x="5370576" y="1239638"/>
             <a:ext cx="338104" cy="0"/>
           </a:xfrm>
           <a:prstGeom prst="line">
@@ -3796,10 +3798,10 @@
       </p:cxnSp>
       <p:cxnSp>
         <p:nvCxnSpPr>
-          <p:cNvPr id="32" name="Straight Connector 31">
+          <p:cNvPr id="38" name="Straight Connector 37">
             <a:extLst>
               <a:ext uri="{FF2B5EF4-FFF2-40B4-BE49-F238E27FC236}">
-                <a16:creationId xmlns:a16="http://schemas.microsoft.com/office/drawing/2014/main" id="{9CAB19C7-FE97-1240-B39D-24F57B2D587A}"/>
+                <a16:creationId xmlns:a16="http://schemas.microsoft.com/office/drawing/2014/main" id="{6F873625-28F1-4A4A-97F5-ECABE183655E}"/>
               </a:ext>
             </a:extLst>
           </p:cNvPr>
@@ -3810,7 +3812,7 @@
         </p:nvCxnSpPr>
         <p:spPr>
           <a:xfrm>
-            <a:off x="5354773" y="2261347"/>
+            <a:off x="5355827" y="2161412"/>
             <a:ext cx="338104" cy="0"/>
           </a:xfrm>
           <a:prstGeom prst="line">
@@ -3835,10 +3837,10 @@
       </p:cxnSp>
       <p:cxnSp>
         <p:nvCxnSpPr>
-          <p:cNvPr id="33" name="Straight Connector 32">
+          <p:cNvPr id="39" name="Straight Connector 38">
             <a:extLst>
               <a:ext uri="{FF2B5EF4-FFF2-40B4-BE49-F238E27FC236}">
-                <a16:creationId xmlns:a16="http://schemas.microsoft.com/office/drawing/2014/main" id="{EE2FE907-0A1E-4941-B88A-B7CB4EB9D98F}"/>
+                <a16:creationId xmlns:a16="http://schemas.microsoft.com/office/drawing/2014/main" id="{9A2E0FF6-8E7E-9949-8BB5-A6358E831522}"/>
               </a:ext>
             </a:extLst>
           </p:cNvPr>
@@ -3849,7 +3851,7 @@
         </p:nvCxnSpPr>
         <p:spPr>
           <a:xfrm>
-            <a:off x="4587857" y="1339573"/>
+            <a:off x="4588911" y="1239638"/>
             <a:ext cx="338104" cy="0"/>
           </a:xfrm>
           <a:prstGeom prst="line">
@@ -3874,10 +3876,10 @@
       </p:cxnSp>
       <p:cxnSp>
         <p:nvCxnSpPr>
-          <p:cNvPr id="49" name="Straight Connector 48">
+          <p:cNvPr id="40" name="Straight Connector 39">
             <a:extLst>
               <a:ext uri="{FF2B5EF4-FFF2-40B4-BE49-F238E27FC236}">
-                <a16:creationId xmlns:a16="http://schemas.microsoft.com/office/drawing/2014/main" id="{38684704-21BC-9D4E-A0F5-48126F99A3B3}"/>
+                <a16:creationId xmlns:a16="http://schemas.microsoft.com/office/drawing/2014/main" id="{6A0B1BE0-8753-5349-AC98-6C1F53B81777}"/>
               </a:ext>
             </a:extLst>
           </p:cNvPr>
@@ -3888,7 +3890,7 @@
         </p:nvCxnSpPr>
         <p:spPr>
           <a:xfrm>
-            <a:off x="4455122" y="2268722"/>
+            <a:off x="4456176" y="2168787"/>
             <a:ext cx="338104" cy="0"/>
           </a:xfrm>
           <a:prstGeom prst="line">
@@ -3913,10 +3915,10 @@
       </p:cxnSp>
       <p:sp>
         <p:nvSpPr>
-          <p:cNvPr id="50" name="TextBox 49">
+          <p:cNvPr id="41" name="TextBox 40">
             <a:extLst>
               <a:ext uri="{FF2B5EF4-FFF2-40B4-BE49-F238E27FC236}">
-                <a16:creationId xmlns:a16="http://schemas.microsoft.com/office/drawing/2014/main" id="{555A139F-F2E4-4243-9DF5-F52A0DA29183}"/>
+                <a16:creationId xmlns:a16="http://schemas.microsoft.com/office/drawing/2014/main" id="{D2812B6D-DFBC-DA46-A275-FF0E4A077AA6}"/>
               </a:ext>
             </a:extLst>
           </p:cNvPr>
@@ -3925,7 +3927,7 @@
         </p:nvSpPr>
         <p:spPr>
           <a:xfrm>
-            <a:off x="5130252" y="1587016"/>
+            <a:off x="5131306" y="1487081"/>
             <a:ext cx="830291" cy="424090"/>
           </a:xfrm>
           <a:prstGeom prst="rect">
@@ -3964,10 +3966,10 @@
       </p:sp>
       <p:sp>
         <p:nvSpPr>
-          <p:cNvPr id="51" name="TextBox 50">
+          <p:cNvPr id="42" name="TextBox 41">
             <a:extLst>
               <a:ext uri="{FF2B5EF4-FFF2-40B4-BE49-F238E27FC236}">
-                <a16:creationId xmlns:a16="http://schemas.microsoft.com/office/drawing/2014/main" id="{A0F5DC49-6DD7-F148-9568-7C4CE3A8101F}"/>
+                <a16:creationId xmlns:a16="http://schemas.microsoft.com/office/drawing/2014/main" id="{ACA6DE97-937F-9945-A806-1FCD6A0157E8}"/>
               </a:ext>
             </a:extLst>
           </p:cNvPr>
@@ -3976,7 +3978,7 @@
         </p:nvSpPr>
         <p:spPr>
           <a:xfrm>
-            <a:off x="4230596" y="1587016"/>
+            <a:off x="4231650" y="1487081"/>
             <a:ext cx="830291" cy="424090"/>
           </a:xfrm>
           <a:prstGeom prst="rect">
@@ -4009,10 +4011,10 @@
       </p:sp>
       <p:sp>
         <p:nvSpPr>
-          <p:cNvPr id="52" name="TextBox 51">
+          <p:cNvPr id="43" name="TextBox 42">
             <a:extLst>
               <a:ext uri="{FF2B5EF4-FFF2-40B4-BE49-F238E27FC236}">
-                <a16:creationId xmlns:a16="http://schemas.microsoft.com/office/drawing/2014/main" id="{F98BDC89-FB63-FE41-930C-02B5E2CCF052}"/>
+                <a16:creationId xmlns:a16="http://schemas.microsoft.com/office/drawing/2014/main" id="{6A8A0CB5-2295-7B47-B85E-404EC2BE9D56}"/>
               </a:ext>
             </a:extLst>
           </p:cNvPr>
@@ -4021,7 +4023,7 @@
         </p:nvSpPr>
         <p:spPr>
           <a:xfrm>
-            <a:off x="3454239" y="1587016"/>
+            <a:off x="3455293" y="1487081"/>
             <a:ext cx="830291" cy="424090"/>
           </a:xfrm>
           <a:prstGeom prst="rect">
@@ -4060,10 +4062,10 @@
       </p:sp>
       <p:cxnSp>
         <p:nvCxnSpPr>
-          <p:cNvPr id="12" name="Straight Arrow Connector 11">
+          <p:cNvPr id="44" name="Straight Arrow Connector 43">
             <a:extLst>
               <a:ext uri="{FF2B5EF4-FFF2-40B4-BE49-F238E27FC236}">
-                <a16:creationId xmlns:a16="http://schemas.microsoft.com/office/drawing/2014/main" id="{9E919E3F-A79F-1241-8712-8A61B094C349}"/>
+                <a16:creationId xmlns:a16="http://schemas.microsoft.com/office/drawing/2014/main" id="{3E48CFBF-90D2-374C-97B9-D4E37F14B168}"/>
               </a:ext>
             </a:extLst>
           </p:cNvPr>
@@ -4074,7 +4076,7 @@
         </p:nvCxnSpPr>
         <p:spPr>
           <a:xfrm flipH="1">
-            <a:off x="5538574" y="1966943"/>
+            <a:off x="5539628" y="1867008"/>
             <a:ext cx="1" cy="250241"/>
           </a:xfrm>
           <a:prstGeom prst="straightConnector1">
@@ -4101,10 +4103,10 @@
       </p:cxnSp>
       <p:cxnSp>
         <p:nvCxnSpPr>
-          <p:cNvPr id="53" name="Straight Arrow Connector 52">
+          <p:cNvPr id="45" name="Straight Arrow Connector 44">
             <a:extLst>
               <a:ext uri="{FF2B5EF4-FFF2-40B4-BE49-F238E27FC236}">
-                <a16:creationId xmlns:a16="http://schemas.microsoft.com/office/drawing/2014/main" id="{8AAB66E6-888E-B244-A221-B3DE28D4AAF4}"/>
+                <a16:creationId xmlns:a16="http://schemas.microsoft.com/office/drawing/2014/main" id="{B3904809-27FF-104A-8EF8-B76B424E3F29}"/>
               </a:ext>
             </a:extLst>
           </p:cNvPr>
@@ -4115,7 +4117,7 @@
         </p:nvCxnSpPr>
         <p:spPr>
           <a:xfrm flipH="1" flipV="1">
-            <a:off x="5523825" y="1386435"/>
+            <a:off x="5524879" y="1286500"/>
             <a:ext cx="1" cy="247072"/>
           </a:xfrm>
           <a:prstGeom prst="straightConnector1">
@@ -4142,10 +4144,10 @@
       </p:cxnSp>
       <p:cxnSp>
         <p:nvCxnSpPr>
-          <p:cNvPr id="55" name="Straight Arrow Connector 54">
+          <p:cNvPr id="46" name="Straight Arrow Connector 45">
             <a:extLst>
               <a:ext uri="{FF2B5EF4-FFF2-40B4-BE49-F238E27FC236}">
-                <a16:creationId xmlns:a16="http://schemas.microsoft.com/office/drawing/2014/main" id="{44EFFD1A-9423-3647-9DA4-F091AF37CED4}"/>
+                <a16:creationId xmlns:a16="http://schemas.microsoft.com/office/drawing/2014/main" id="{47F771A7-4A9F-AE4E-963A-B0DD4A746C40}"/>
               </a:ext>
             </a:extLst>
           </p:cNvPr>
@@ -4156,7 +4158,7 @@
         </p:nvCxnSpPr>
         <p:spPr>
           <a:xfrm flipH="1">
-            <a:off x="4616800" y="1966943"/>
+            <a:off x="4617854" y="1867008"/>
             <a:ext cx="1" cy="250241"/>
           </a:xfrm>
           <a:prstGeom prst="straightConnector1">
@@ -4183,22 +4185,22 @@
       </p:cxnSp>
       <p:cxnSp>
         <p:nvCxnSpPr>
-          <p:cNvPr id="56" name="Straight Arrow Connector 55">
+          <p:cNvPr id="47" name="Straight Arrow Connector 46">
             <a:extLst>
               <a:ext uri="{FF2B5EF4-FFF2-40B4-BE49-F238E27FC236}">
-                <a16:creationId xmlns:a16="http://schemas.microsoft.com/office/drawing/2014/main" id="{FEBCC1E3-60BE-C94B-91D5-F138CA8A79AA}"/>
+                <a16:creationId xmlns:a16="http://schemas.microsoft.com/office/drawing/2014/main" id="{56AB157B-1341-DA48-B590-B08F7588C634}"/>
               </a:ext>
             </a:extLst>
           </p:cNvPr>
           <p:cNvCxnSpPr>
             <a:cxnSpLocks/>
-            <a:stCxn id="51" idx="0"/>
+            <a:stCxn id="42" idx="0"/>
           </p:cNvCxnSpPr>
           <p:nvPr/>
         </p:nvCxnSpPr>
         <p:spPr>
           <a:xfrm flipV="1">
-            <a:off x="4645742" y="1386435"/>
+            <a:off x="4646796" y="1286500"/>
             <a:ext cx="111167" cy="200581"/>
           </a:xfrm>
           <a:prstGeom prst="straightConnector1">
@@ -4225,10 +4227,10 @@
       </p:cxnSp>
       <p:cxnSp>
         <p:nvCxnSpPr>
-          <p:cNvPr id="57" name="Straight Connector 56">
+          <p:cNvPr id="48" name="Straight Connector 47">
             <a:extLst>
               <a:ext uri="{FF2B5EF4-FFF2-40B4-BE49-F238E27FC236}">
-                <a16:creationId xmlns:a16="http://schemas.microsoft.com/office/drawing/2014/main" id="{B3F17046-605B-DB4C-BAED-CD144B090C33}"/>
+                <a16:creationId xmlns:a16="http://schemas.microsoft.com/office/drawing/2014/main" id="{BA13E1DB-D4A2-494B-BFAC-607E165F1A20}"/>
               </a:ext>
             </a:extLst>
           </p:cNvPr>
@@ -4239,7 +4241,7 @@
         </p:nvCxnSpPr>
         <p:spPr>
           <a:xfrm>
-            <a:off x="3702954" y="1332199"/>
+            <a:off x="3704008" y="1232264"/>
             <a:ext cx="817427" cy="0"/>
           </a:xfrm>
           <a:prstGeom prst="line">
@@ -4264,10 +4266,10 @@
       </p:cxnSp>
       <p:cxnSp>
         <p:nvCxnSpPr>
-          <p:cNvPr id="58" name="Straight Connector 57">
+          <p:cNvPr id="54" name="Straight Connector 53">
             <a:extLst>
               <a:ext uri="{FF2B5EF4-FFF2-40B4-BE49-F238E27FC236}">
-                <a16:creationId xmlns:a16="http://schemas.microsoft.com/office/drawing/2014/main" id="{12CB9F11-AA7B-7B40-B212-54F031F6CAEF}"/>
+                <a16:creationId xmlns:a16="http://schemas.microsoft.com/office/drawing/2014/main" id="{F841F354-C4A5-3844-9B8A-23CABAEB5E54}"/>
               </a:ext>
             </a:extLst>
           </p:cNvPr>
@@ -4278,7 +4280,7 @@
         </p:nvCxnSpPr>
         <p:spPr>
           <a:xfrm flipV="1">
-            <a:off x="3591232" y="2261347"/>
+            <a:off x="3592286" y="2161412"/>
             <a:ext cx="774291" cy="7375"/>
           </a:xfrm>
           <a:prstGeom prst="line">
@@ -4303,10 +4305,10 @@
       </p:cxnSp>
       <p:cxnSp>
         <p:nvCxnSpPr>
-          <p:cNvPr id="59" name="Straight Arrow Connector 58">
+          <p:cNvPr id="63" name="Straight Arrow Connector 62">
             <a:extLst>
               <a:ext uri="{FF2B5EF4-FFF2-40B4-BE49-F238E27FC236}">
-                <a16:creationId xmlns:a16="http://schemas.microsoft.com/office/drawing/2014/main" id="{9D14AD74-A0CC-2849-96EE-0151E7E56664}"/>
+                <a16:creationId xmlns:a16="http://schemas.microsoft.com/office/drawing/2014/main" id="{5FE8466B-D0F4-4742-8D6C-6AF4A30F5277}"/>
               </a:ext>
             </a:extLst>
           </p:cNvPr>
@@ -4317,7 +4319,7 @@
         </p:nvCxnSpPr>
         <p:spPr>
           <a:xfrm flipH="1">
-            <a:off x="3901504" y="1966943"/>
+            <a:off x="3902558" y="1867008"/>
             <a:ext cx="1" cy="250241"/>
           </a:xfrm>
           <a:prstGeom prst="straightConnector1">
@@ -4344,10 +4346,10 @@
       </p:cxnSp>
       <p:cxnSp>
         <p:nvCxnSpPr>
-          <p:cNvPr id="60" name="Straight Arrow Connector 59">
+          <p:cNvPr id="64" name="Straight Arrow Connector 63">
             <a:extLst>
               <a:ext uri="{FF2B5EF4-FFF2-40B4-BE49-F238E27FC236}">
-                <a16:creationId xmlns:a16="http://schemas.microsoft.com/office/drawing/2014/main" id="{AAFF07E1-3B99-B346-AF3F-0554DA59F287}"/>
+                <a16:creationId xmlns:a16="http://schemas.microsoft.com/office/drawing/2014/main" id="{6A40A02F-8588-824C-9DD4-3D2CD79087A4}"/>
               </a:ext>
             </a:extLst>
           </p:cNvPr>
@@ -4358,7 +4360,7 @@
         </p:nvCxnSpPr>
         <p:spPr>
           <a:xfrm flipV="1">
-            <a:off x="3949560" y="1414129"/>
+            <a:off x="3950614" y="1314194"/>
             <a:ext cx="146927" cy="204424"/>
           </a:xfrm>
           <a:prstGeom prst="straightConnector1">
@@ -4385,10 +4387,10 @@
       </p:cxnSp>
       <p:sp>
         <p:nvSpPr>
-          <p:cNvPr id="61" name="TextBox 60">
+          <p:cNvPr id="65" name="TextBox 64">
             <a:extLst>
               <a:ext uri="{FF2B5EF4-FFF2-40B4-BE49-F238E27FC236}">
-                <a16:creationId xmlns:a16="http://schemas.microsoft.com/office/drawing/2014/main" id="{37458876-5B8F-DF45-9CCD-094780F532F5}"/>
+                <a16:creationId xmlns:a16="http://schemas.microsoft.com/office/drawing/2014/main" id="{C44A4A21-42E4-504B-B65D-7DE75ACDDBE7}"/>
               </a:ext>
             </a:extLst>
           </p:cNvPr>
@@ -4397,7 +4399,7 @@
         </p:nvSpPr>
         <p:spPr>
           <a:xfrm>
-            <a:off x="0" y="-24630"/>
+            <a:off x="1054" y="27447"/>
             <a:ext cx="299226" cy="369332"/>
           </a:xfrm>
           <a:prstGeom prst="rect">
@@ -4422,10 +4424,10 @@
       </p:sp>
       <p:sp>
         <p:nvSpPr>
-          <p:cNvPr id="62" name="TextBox 61">
+          <p:cNvPr id="66" name="TextBox 65">
             <a:extLst>
               <a:ext uri="{FF2B5EF4-FFF2-40B4-BE49-F238E27FC236}">
-                <a16:creationId xmlns:a16="http://schemas.microsoft.com/office/drawing/2014/main" id="{38E7A888-4CB2-1B4E-8E9A-FE6452CBE112}"/>
+                <a16:creationId xmlns:a16="http://schemas.microsoft.com/office/drawing/2014/main" id="{C04F3823-F186-5142-9761-3DE7DBB0F9C0}"/>
               </a:ext>
             </a:extLst>
           </p:cNvPr>
@@ -4434,7 +4436,7 @@
         </p:nvSpPr>
         <p:spPr>
           <a:xfrm>
-            <a:off x="0" y="1782048"/>
+            <a:off x="1054" y="1682113"/>
             <a:ext cx="299226" cy="369332"/>
           </a:xfrm>
           <a:prstGeom prst="rect">
